--- a/docs/仕様/素材/メインゲーム.pptx
+++ b/docs/仕様/素材/メインゲーム.pptx
@@ -6,7 +6,8 @@
   </p:sldMasterIdLst>
   <p:sldIdLst>
     <p:sldId id="256" r:id="rId2"/>
-    <p:sldId id="257" r:id="rId3"/>
+    <p:sldId id="258" r:id="rId3"/>
+    <p:sldId id="259" r:id="rId4"/>
   </p:sldIdLst>
   <p:sldSz cx="12192000" cy="6858000"/>
   <p:notesSz cx="6858000" cy="9144000"/>
@@ -105,6 +106,11 @@
       </a:defRPr>
     </a:lvl9pPr>
   </p:defaultTextStyle>
+  <p:extLst>
+    <p:ext uri="{EFAFB233-063F-42B5-8137-9DF3F51BA10A}">
+      <p15:sldGuideLst xmlns:p15="http://schemas.microsoft.com/office/powerpoint/2012/main"/>
+    </p:ext>
+  </p:extLst>
 </p:presentation>
 </file>
 
@@ -3704,10 +3710,10 @@
       </p:grpSpPr>
       <p:sp>
         <p:nvSpPr>
-          <p:cNvPr id="84" name="四角形: 角を丸くする 83">
-            <a:extLst>
-              <a:ext uri="{FF2B5EF4-FFF2-40B4-BE49-F238E27FC236}">
-                <a16:creationId xmlns:a16="http://schemas.microsoft.com/office/drawing/2014/main" id="{2632A40E-DBE2-4C1C-92B1-936BE95BCF99}"/>
+          <p:cNvPr id="56" name="四角形: 角を丸くする 55">
+            <a:extLst>
+              <a:ext uri="{FF2B5EF4-FFF2-40B4-BE49-F238E27FC236}">
+                <a16:creationId xmlns:a16="http://schemas.microsoft.com/office/drawing/2014/main" id="{F7FE1006-FE41-4252-8963-0B59809E71E5}"/>
               </a:ext>
             </a:extLst>
           </p:cNvPr>
@@ -3716,8 +3722,8 @@
         </p:nvSpPr>
         <p:spPr>
           <a:xfrm>
-            <a:off x="952934" y="398361"/>
-            <a:ext cx="9910807" cy="3935663"/>
+            <a:off x="7683410" y="342580"/>
+            <a:ext cx="3938747" cy="5866555"/>
           </a:xfrm>
           <a:prstGeom prst="roundRect">
             <a:avLst/>
@@ -3753,6 +3759,111 @@
           </a:p>
         </p:txBody>
       </p:sp>
+      <p:sp>
+        <p:nvSpPr>
+          <p:cNvPr id="53" name="テキスト ボックス 52">
+            <a:extLst>
+              <a:ext uri="{FF2B5EF4-FFF2-40B4-BE49-F238E27FC236}">
+                <a16:creationId xmlns:a16="http://schemas.microsoft.com/office/drawing/2014/main" id="{E0A1364D-52CF-4130-99B3-1FBDC6627816}"/>
+              </a:ext>
+            </a:extLst>
+          </p:cNvPr>
+          <p:cNvSpPr txBox="1"/>
+          <p:nvPr/>
+        </p:nvSpPr>
+        <p:spPr>
+          <a:xfrm>
+            <a:off x="9745338" y="4051422"/>
+            <a:ext cx="1757149" cy="646331"/>
+          </a:xfrm>
+          <a:prstGeom prst="rect">
+            <a:avLst/>
+          </a:prstGeom>
+          <a:noFill/>
+        </p:spPr>
+        <p:txBody>
+          <a:bodyPr wrap="square" rtlCol="0">
+            <a:spAutoFit/>
+          </a:bodyPr>
+          <a:lstStyle/>
+          <a:p>
+            <a:r>
+              <a:rPr lang="ja-JP" altLang="en-US" dirty="0"/>
+              <a:t>長さ</a:t>
+            </a:r>
+            <a:r>
+              <a:rPr lang="en-US" altLang="ja-JP" dirty="0"/>
+              <a:t>:2</a:t>
+            </a:r>
+          </a:p>
+          <a:p>
+            <a:r>
+              <a:rPr kumimoji="1" lang="ja-JP" altLang="en-US" dirty="0"/>
+              <a:t>高さ</a:t>
+            </a:r>
+            <a:r>
+              <a:rPr kumimoji="1" lang="en-US" altLang="ja-JP" dirty="0"/>
+              <a:t>:</a:t>
+            </a:r>
+            <a:r>
+              <a:rPr lang="en-US" altLang="ja-JP" dirty="0"/>
+              <a:t>1</a:t>
+            </a:r>
+            <a:endParaRPr kumimoji="1" lang="ja-JP" altLang="en-US" dirty="0"/>
+          </a:p>
+        </p:txBody>
+      </p:sp>
+      <p:sp>
+        <p:nvSpPr>
+          <p:cNvPr id="84" name="四角形: 角を丸くする 83">
+            <a:extLst>
+              <a:ext uri="{FF2B5EF4-FFF2-40B4-BE49-F238E27FC236}">
+                <a16:creationId xmlns:a16="http://schemas.microsoft.com/office/drawing/2014/main" id="{2632A40E-DBE2-4C1C-92B1-936BE95BCF99}"/>
+              </a:ext>
+            </a:extLst>
+          </p:cNvPr>
+          <p:cNvSpPr/>
+          <p:nvPr/>
+        </p:nvSpPr>
+        <p:spPr>
+          <a:xfrm>
+            <a:off x="569843" y="301084"/>
+            <a:ext cx="6255027" cy="5908051"/>
+          </a:xfrm>
+          <a:prstGeom prst="roundRect">
+            <a:avLst/>
+          </a:prstGeom>
+          <a:solidFill>
+            <a:schemeClr val="accent1">
+              <a:alpha val="0"/>
+            </a:schemeClr>
+          </a:solidFill>
+        </p:spPr>
+        <p:style>
+          <a:lnRef idx="2">
+            <a:schemeClr val="accent1">
+              <a:shade val="50000"/>
+            </a:schemeClr>
+          </a:lnRef>
+          <a:fillRef idx="1">
+            <a:schemeClr val="accent1"/>
+          </a:fillRef>
+          <a:effectRef idx="0">
+            <a:schemeClr val="accent1"/>
+          </a:effectRef>
+          <a:fontRef idx="minor">
+            <a:schemeClr val="lt1"/>
+          </a:fontRef>
+        </p:style>
+        <p:txBody>
+          <a:bodyPr rtlCol="0" anchor="ctr"/>
+          <a:lstStyle/>
+          <a:p>
+            <a:pPr algn="ctr"/>
+            <a:endParaRPr kumimoji="1" lang="ja-JP" altLang="en-US"/>
+          </a:p>
+        </p:txBody>
+      </p:sp>
       <p:pic>
         <p:nvPicPr>
           <p:cNvPr id="8" name="グラフィックス 7" descr="セキュリティ カメラ">
@@ -3784,7 +3895,7 @@
         </p:blipFill>
         <p:spPr>
           <a:xfrm>
-            <a:off x="1523859" y="2084437"/>
+            <a:off x="2596483" y="4952637"/>
             <a:ext cx="914400" cy="914400"/>
           </a:xfrm>
           <a:prstGeom prst="rect">
@@ -3806,7 +3917,7 @@
         </p:nvGrpSpPr>
         <p:grpSpPr>
           <a:xfrm>
-            <a:off x="3543728" y="398361"/>
+            <a:off x="858894" y="301084"/>
             <a:ext cx="1171433" cy="1428500"/>
             <a:chOff x="3530221" y="1655894"/>
             <a:chExt cx="914400" cy="1106641"/>
@@ -3905,7 +4016,7 @@
         </p:nvGrpSpPr>
         <p:grpSpPr>
           <a:xfrm>
-            <a:off x="3543728" y="2458660"/>
+            <a:off x="858894" y="2361383"/>
             <a:ext cx="1171433" cy="1428500"/>
             <a:chOff x="3530221" y="1655894"/>
             <a:chExt cx="914400" cy="1106641"/>
@@ -4004,7 +4115,7 @@
         </p:nvGrpSpPr>
         <p:grpSpPr>
           <a:xfrm>
-            <a:off x="6521070" y="398361"/>
+            <a:off x="3836236" y="301084"/>
             <a:ext cx="1171433" cy="1428500"/>
             <a:chOff x="3530221" y="1655894"/>
             <a:chExt cx="914400" cy="1106641"/>
@@ -4103,7 +4214,7 @@
         </p:nvGrpSpPr>
         <p:grpSpPr>
           <a:xfrm>
-            <a:off x="6605270" y="2403261"/>
+            <a:off x="3920436" y="2305984"/>
             <a:ext cx="1171433" cy="1428500"/>
             <a:chOff x="3530221" y="1655894"/>
             <a:chExt cx="914400" cy="1106641"/>
@@ -4202,7 +4313,7 @@
         </p:nvSpPr>
         <p:spPr>
           <a:xfrm>
-            <a:off x="1358123" y="3575455"/>
+            <a:off x="2430747" y="6443655"/>
             <a:ext cx="461665" cy="407825"/>
           </a:xfrm>
           <a:prstGeom prst="rect">
@@ -4234,7 +4345,7 @@
         </p:nvSpPr>
         <p:spPr>
           <a:xfrm>
-            <a:off x="1642920" y="2971603"/>
+            <a:off x="2715544" y="5839803"/>
             <a:ext cx="1107762" cy="369332"/>
           </a:xfrm>
           <a:prstGeom prst="rect">
@@ -4250,7 +4361,7 @@
           <a:p>
             <a:r>
               <a:rPr lang="en-US" altLang="ja-JP" dirty="0"/>
-              <a:t>(-5,0)</a:t>
+              <a:t>(3,-8)</a:t>
             </a:r>
             <a:endParaRPr kumimoji="1" lang="ja-JP" altLang="en-US" dirty="0"/>
           </a:p>
@@ -4270,7 +4381,7 @@
         </p:nvSpPr>
         <p:spPr>
           <a:xfrm>
-            <a:off x="3729033" y="3798614"/>
+            <a:off x="1044199" y="3701337"/>
             <a:ext cx="986128" cy="369332"/>
           </a:xfrm>
           <a:prstGeom prst="rect">
@@ -4306,7 +4417,7 @@
         </p:nvSpPr>
         <p:spPr>
           <a:xfrm>
-            <a:off x="6720627" y="1744811"/>
+            <a:off x="4035793" y="1647534"/>
             <a:ext cx="728569" cy="369332"/>
           </a:xfrm>
           <a:prstGeom prst="rect">
@@ -4342,7 +4453,7 @@
         </p:nvGrpSpPr>
         <p:grpSpPr>
           <a:xfrm>
-            <a:off x="5132178" y="1615468"/>
+            <a:off x="2447344" y="1518191"/>
             <a:ext cx="1171433" cy="1719561"/>
             <a:chOff x="4348941" y="2409389"/>
             <a:chExt cx="1171433" cy="1719561"/>
@@ -4498,7 +4609,7 @@
         </p:nvSpPr>
         <p:spPr>
           <a:xfrm>
-            <a:off x="3733546" y="1770179"/>
+            <a:off x="1048712" y="1672902"/>
             <a:ext cx="728569" cy="369332"/>
           </a:xfrm>
           <a:prstGeom prst="rect">
@@ -4534,7 +4645,7 @@
         </p:nvSpPr>
         <p:spPr>
           <a:xfrm>
-            <a:off x="6769412" y="3779367"/>
+            <a:off x="4084578" y="3682090"/>
             <a:ext cx="951767" cy="369332"/>
           </a:xfrm>
           <a:prstGeom prst="rect">
@@ -4570,7 +4681,7 @@
         </p:nvGrpSpPr>
         <p:grpSpPr>
           <a:xfrm>
-            <a:off x="8228342" y="1615468"/>
+            <a:off x="5543508" y="1518191"/>
             <a:ext cx="1171433" cy="1719561"/>
             <a:chOff x="4348941" y="2409389"/>
             <a:chExt cx="1171433" cy="1719561"/>
@@ -4712,12 +4823,57 @@
           </p:txBody>
         </p:sp>
       </p:grpSp>
+      <p:sp>
+        <p:nvSpPr>
+          <p:cNvPr id="65" name="テキスト ボックス 64">
+            <a:extLst>
+              <a:ext uri="{FF2B5EF4-FFF2-40B4-BE49-F238E27FC236}">
+                <a16:creationId xmlns:a16="http://schemas.microsoft.com/office/drawing/2014/main" id="{BCD12E05-BA80-403F-992C-51C1CADA5160}"/>
+              </a:ext>
+            </a:extLst>
+          </p:cNvPr>
+          <p:cNvSpPr txBox="1"/>
+          <p:nvPr/>
+        </p:nvSpPr>
+        <p:spPr>
+          <a:xfrm>
+            <a:off x="2207840" y="134981"/>
+            <a:ext cx="2031325" cy="369332"/>
+          </a:xfrm>
+          <a:prstGeom prst="rect">
+            <a:avLst/>
+          </a:prstGeom>
+          <a:solidFill>
+            <a:schemeClr val="bg1"/>
+          </a:solidFill>
+          <a:ln>
+            <a:solidFill>
+              <a:schemeClr val="accent1">
+                <a:shade val="50000"/>
+              </a:schemeClr>
+            </a:solidFill>
+          </a:ln>
+        </p:spPr>
+        <p:txBody>
+          <a:bodyPr wrap="none" rtlCol="0">
+            <a:spAutoFit/>
+          </a:bodyPr>
+          <a:lstStyle/>
+          <a:p>
+            <a:r>
+              <a:rPr lang="ja-JP" altLang="en-US" dirty="0"/>
+              <a:t>オブジェクト配置</a:t>
+            </a:r>
+            <a:endParaRPr kumimoji="1" lang="ja-JP" altLang="en-US" dirty="0"/>
+          </a:p>
+        </p:txBody>
+      </p:sp>
       <p:grpSp>
         <p:nvGrpSpPr>
-          <p:cNvPr id="76" name="グループ化 75">
-            <a:extLst>
-              <a:ext uri="{FF2B5EF4-FFF2-40B4-BE49-F238E27FC236}">
-                <a16:creationId xmlns:a16="http://schemas.microsoft.com/office/drawing/2014/main" id="{8F16BBDC-A830-4EF1-A480-CFB2C4D898D0}"/>
+          <p:cNvPr id="45" name="グループ化 44">
+            <a:extLst>
+              <a:ext uri="{FF2B5EF4-FFF2-40B4-BE49-F238E27FC236}">
+                <a16:creationId xmlns:a16="http://schemas.microsoft.com/office/drawing/2014/main" id="{596AC7E9-1851-4EC4-BC8A-2A8B5CDE7D18}"/>
               </a:ext>
             </a:extLst>
           </p:cNvPr>
@@ -4726,7 +4882,7 @@
         </p:nvGrpSpPr>
         <p:grpSpPr>
           <a:xfrm>
-            <a:off x="4361639" y="5088222"/>
+            <a:off x="8129262" y="2072284"/>
             <a:ext cx="1171433" cy="1428500"/>
             <a:chOff x="3530221" y="1655894"/>
             <a:chExt cx="914400" cy="1106641"/>
@@ -4734,10 +4890,10 @@
         </p:grpSpPr>
         <p:pic>
           <p:nvPicPr>
-            <p:cNvPr id="77" name="グラフィックス 76" descr="ヤシの木">
+            <p:cNvPr id="49" name="グラフィックス 48" descr="ヤシの木">
               <a:extLst>
                 <a:ext uri="{FF2B5EF4-FFF2-40B4-BE49-F238E27FC236}">
-                  <a16:creationId xmlns:a16="http://schemas.microsoft.com/office/drawing/2014/main" id="{2C21D1C1-FBB3-4957-98C6-EC9B180AF0DB}"/>
+                  <a16:creationId xmlns:a16="http://schemas.microsoft.com/office/drawing/2014/main" id="{976680C6-54F6-44AC-9052-7B99A36458CF}"/>
                 </a:ext>
               </a:extLst>
             </p:cNvPr>
@@ -4773,10 +4929,10 @@
         </p:pic>
         <p:pic>
           <p:nvPicPr>
-            <p:cNvPr id="78" name="グラフィックス 77" descr="皿">
+            <p:cNvPr id="50" name="グラフィックス 49" descr="皿">
               <a:extLst>
                 <a:ext uri="{FF2B5EF4-FFF2-40B4-BE49-F238E27FC236}">
-                  <a16:creationId xmlns:a16="http://schemas.microsoft.com/office/drawing/2014/main" id="{09EF206B-E307-4AC0-8E14-6A4D616E5491}"/>
+                  <a16:creationId xmlns:a16="http://schemas.microsoft.com/office/drawing/2014/main" id="{9BA71E35-9C08-4355-B939-553C593A6293}"/>
                 </a:ext>
               </a:extLst>
             </p:cNvPr>
@@ -4813,10 +4969,10 @@
       </p:grpSp>
       <p:sp>
         <p:nvSpPr>
-          <p:cNvPr id="79" name="テキスト ボックス 78">
-            <a:extLst>
-              <a:ext uri="{FF2B5EF4-FFF2-40B4-BE49-F238E27FC236}">
-                <a16:creationId xmlns:a16="http://schemas.microsoft.com/office/drawing/2014/main" id="{6AA1F3A5-00C5-41A2-9C01-0648BCD24896}"/>
+          <p:cNvPr id="51" name="テキスト ボックス 50">
+            <a:extLst>
+              <a:ext uri="{FF2B5EF4-FFF2-40B4-BE49-F238E27FC236}">
+                <a16:creationId xmlns:a16="http://schemas.microsoft.com/office/drawing/2014/main" id="{E1C02920-1CDF-425A-BA7A-52AE460B3AE5}"/>
               </a:ext>
             </a:extLst>
           </p:cNvPr>
@@ -4825,7 +4981,7 @@
         </p:nvSpPr>
         <p:spPr>
           <a:xfrm>
-            <a:off x="5569177" y="5595444"/>
+            <a:off x="9745338" y="2497979"/>
             <a:ext cx="1757149" cy="646331"/>
           </a:xfrm>
           <a:prstGeom prst="rect">
@@ -4855,7 +5011,7 @@
             </a:r>
             <a:r>
               <a:rPr kumimoji="1" lang="en-US" altLang="ja-JP" dirty="0"/>
-              <a:t>:5</a:t>
+              <a:t>:2</a:t>
             </a:r>
             <a:endParaRPr kumimoji="1" lang="ja-JP" altLang="en-US" dirty="0"/>
           </a:p>
@@ -4863,10 +5019,10 @@
       </p:sp>
       <p:pic>
         <p:nvPicPr>
-          <p:cNvPr id="80" name="図 79" descr="傘, 雨, 水 が含まれている画像&#10;&#10;自動的に生成された説明">
-            <a:extLst>
-              <a:ext uri="{FF2B5EF4-FFF2-40B4-BE49-F238E27FC236}">
-                <a16:creationId xmlns:a16="http://schemas.microsoft.com/office/drawing/2014/main" id="{CA997C87-8565-48A4-8D42-DF43DE9B5DFF}"/>
+          <p:cNvPr id="52" name="図 51" descr="傘, 雨, 水 が含まれている画像&#10;&#10;自動的に生成された説明">
+            <a:extLst>
+              <a:ext uri="{FF2B5EF4-FFF2-40B4-BE49-F238E27FC236}">
+                <a16:creationId xmlns:a16="http://schemas.microsoft.com/office/drawing/2014/main" id="{205425FD-C741-4917-A16A-F871B1FCC7F0}"/>
               </a:ext>
             </a:extLst>
           </p:cNvPr>
@@ -4889,7 +5045,7 @@
         </p:blipFill>
         <p:spPr>
           <a:xfrm>
-            <a:off x="7686064" y="5317002"/>
+            <a:off x="8196562" y="3851764"/>
             <a:ext cx="1021101" cy="1198418"/>
           </a:xfrm>
           <a:prstGeom prst="rect">
@@ -4897,62 +5053,12 @@
           </a:prstGeom>
         </p:spPr>
       </p:pic>
-      <p:sp>
-        <p:nvSpPr>
-          <p:cNvPr id="81" name="テキスト ボックス 80">
-            <a:extLst>
-              <a:ext uri="{FF2B5EF4-FFF2-40B4-BE49-F238E27FC236}">
-                <a16:creationId xmlns:a16="http://schemas.microsoft.com/office/drawing/2014/main" id="{AF2CBEAB-B8CC-4D7F-84FB-47053B094760}"/>
-              </a:ext>
-            </a:extLst>
-          </p:cNvPr>
-          <p:cNvSpPr txBox="1"/>
-          <p:nvPr/>
-        </p:nvSpPr>
-        <p:spPr>
-          <a:xfrm>
-            <a:off x="8916520" y="5636303"/>
-            <a:ext cx="2230710" cy="646331"/>
-          </a:xfrm>
-          <a:prstGeom prst="rect">
-            <a:avLst/>
-          </a:prstGeom>
-          <a:noFill/>
-        </p:spPr>
-        <p:txBody>
-          <a:bodyPr wrap="square" rtlCol="0">
-            <a:spAutoFit/>
-          </a:bodyPr>
-          <a:lstStyle/>
-          <a:p>
-            <a:r>
-              <a:rPr lang="ja-JP" altLang="en-US" dirty="0"/>
-              <a:t>手の端から端</a:t>
-            </a:r>
-            <a:r>
-              <a:rPr lang="en-US" altLang="ja-JP" dirty="0"/>
-              <a:t>:2</a:t>
-            </a:r>
-          </a:p>
-          <a:p>
-            <a:r>
-              <a:rPr kumimoji="1" lang="ja-JP" altLang="en-US" dirty="0"/>
-              <a:t>高さ</a:t>
-            </a:r>
-            <a:r>
-              <a:rPr kumimoji="1" lang="en-US" altLang="ja-JP" dirty="0"/>
-              <a:t>:3</a:t>
-            </a:r>
-            <a:endParaRPr kumimoji="1" lang="ja-JP" altLang="en-US" dirty="0"/>
-          </a:p>
-        </p:txBody>
-      </p:sp>
       <p:pic>
         <p:nvPicPr>
-          <p:cNvPr id="82" name="グラフィックス 81" descr="セキュリティ カメラ">
-            <a:extLst>
-              <a:ext uri="{FF2B5EF4-FFF2-40B4-BE49-F238E27FC236}">
-                <a16:creationId xmlns:a16="http://schemas.microsoft.com/office/drawing/2014/main" id="{DA9AD719-BD95-46D7-B2F6-6396EB02DB78}"/>
+          <p:cNvPr id="54" name="グラフィックス 53" descr="セキュリティ カメラ">
+            <a:extLst>
+              <a:ext uri="{FF2B5EF4-FFF2-40B4-BE49-F238E27FC236}">
+                <a16:creationId xmlns:a16="http://schemas.microsoft.com/office/drawing/2014/main" id="{8771F233-20AA-47A2-82C1-249A9163709C}"/>
               </a:ext>
             </a:extLst>
           </p:cNvPr>
@@ -4978,7 +5084,7 @@
         </p:blipFill>
         <p:spPr>
           <a:xfrm>
-            <a:off x="1543801" y="5463543"/>
+            <a:off x="8196614" y="943168"/>
             <a:ext cx="914400" cy="914400"/>
           </a:xfrm>
           <a:prstGeom prst="rect">
@@ -4988,10 +5094,10 @@
       </p:pic>
       <p:sp>
         <p:nvSpPr>
-          <p:cNvPr id="83" name="テキスト ボックス 82">
-            <a:extLst>
-              <a:ext uri="{FF2B5EF4-FFF2-40B4-BE49-F238E27FC236}">
-                <a16:creationId xmlns:a16="http://schemas.microsoft.com/office/drawing/2014/main" id="{2B3DE599-6D92-459B-AA9A-137FE4EB144A}"/>
+          <p:cNvPr id="55" name="テキスト ボックス 54">
+            <a:extLst>
+              <a:ext uri="{FF2B5EF4-FFF2-40B4-BE49-F238E27FC236}">
+                <a16:creationId xmlns:a16="http://schemas.microsoft.com/office/drawing/2014/main" id="{7C38134D-CCC9-48ED-A9C3-65F2D4D91D38}"/>
               </a:ext>
             </a:extLst>
           </p:cNvPr>
@@ -5000,7 +5106,7 @@
         </p:nvSpPr>
         <p:spPr>
           <a:xfrm>
-            <a:off x="2458201" y="5736077"/>
+            <a:off x="9715476" y="1178221"/>
             <a:ext cx="1757149" cy="369332"/>
           </a:xfrm>
           <a:prstGeom prst="rect">
@@ -5020,7 +5126,7 @@
             </a:r>
             <a:r>
               <a:rPr kumimoji="1" lang="en-US" altLang="ja-JP" dirty="0"/>
-              <a:t>:10</a:t>
+              <a:t>:4</a:t>
             </a:r>
             <a:endParaRPr kumimoji="1" lang="ja-JP" altLang="en-US" dirty="0"/>
           </a:p>
@@ -5028,29 +5134,1010 @@
       </p:sp>
       <p:sp>
         <p:nvSpPr>
-          <p:cNvPr id="85" name="四角形: 角を丸くする 84">
-            <a:extLst>
-              <a:ext uri="{FF2B5EF4-FFF2-40B4-BE49-F238E27FC236}">
-                <a16:creationId xmlns:a16="http://schemas.microsoft.com/office/drawing/2014/main" id="{FAFECA44-32C7-4A3B-BFCD-92E0C482CD96}"/>
-              </a:ext>
-            </a:extLst>
-          </p:cNvPr>
-          <p:cNvSpPr/>
+          <p:cNvPr id="64" name="テキスト ボックス 63">
+            <a:extLst>
+              <a:ext uri="{FF2B5EF4-FFF2-40B4-BE49-F238E27FC236}">
+                <a16:creationId xmlns:a16="http://schemas.microsoft.com/office/drawing/2014/main" id="{7A6619AB-8B7A-4A50-8A46-2E65C4DEB1BA}"/>
+              </a:ext>
+            </a:extLst>
+          </p:cNvPr>
+          <p:cNvSpPr txBox="1"/>
           <p:nvPr/>
         </p:nvSpPr>
         <p:spPr>
           <a:xfrm>
-            <a:off x="952935" y="4928769"/>
-            <a:ext cx="9910808" cy="1715536"/>
+            <a:off x="8584397" y="206034"/>
+            <a:ext cx="2262158" cy="369332"/>
           </a:xfrm>
-          <a:prstGeom prst="roundRect">
+          <a:prstGeom prst="rect">
             <a:avLst/>
           </a:prstGeom>
           <a:solidFill>
-            <a:schemeClr val="accent1">
-              <a:alpha val="0"/>
-            </a:schemeClr>
+            <a:schemeClr val="bg1"/>
           </a:solidFill>
+          <a:ln>
+            <a:solidFill>
+              <a:schemeClr val="accent1">
+                <a:shade val="50000"/>
+              </a:schemeClr>
+            </a:solidFill>
+          </a:ln>
+        </p:spPr>
+        <p:txBody>
+          <a:bodyPr wrap="square" rtlCol="0">
+            <a:spAutoFit/>
+          </a:bodyPr>
+          <a:lstStyle/>
+          <a:p>
+            <a:r>
+              <a:rPr lang="ja-JP" altLang="en-US" dirty="0"/>
+              <a:t>オブジェクトサイズ</a:t>
+            </a:r>
+            <a:endParaRPr kumimoji="1" lang="ja-JP" altLang="en-US" dirty="0"/>
+          </a:p>
+        </p:txBody>
+      </p:sp>
+    </p:spTree>
+    <p:extLst>
+      <p:ext uri="{BB962C8B-B14F-4D97-AF65-F5344CB8AC3E}">
+        <p14:creationId xmlns:p14="http://schemas.microsoft.com/office/powerpoint/2010/main" val="4214077620"/>
+      </p:ext>
+    </p:extLst>
+  </p:cSld>
+  <p:clrMapOvr>
+    <a:masterClrMapping/>
+  </p:clrMapOvr>
+</p:sld>
+</file>
+
+<file path=ppt/slides/slide3.xml><?xml version="1.0" encoding="utf-8"?>
+<p:sld xmlns:a="http://schemas.openxmlformats.org/drawingml/2006/main" xmlns:r="http://schemas.openxmlformats.org/officeDocument/2006/relationships" xmlns:p="http://schemas.openxmlformats.org/presentationml/2006/main">
+  <p:cSld>
+    <p:spTree>
+      <p:nvGrpSpPr>
+        <p:cNvPr id="1" name=""/>
+        <p:cNvGrpSpPr/>
+        <p:nvPr/>
+      </p:nvGrpSpPr>
+      <p:grpSpPr>
+        <a:xfrm>
+          <a:off x="0" y="0"/>
+          <a:ext cx="0" cy="0"/>
+          <a:chOff x="0" y="0"/>
+          <a:chExt cx="0" cy="0"/>
+        </a:xfrm>
+      </p:grpSpPr>
+      <p:sp>
+        <p:nvSpPr>
+          <p:cNvPr id="3" name="コンテンツ プレースホルダー 2">
+            <a:extLst>
+              <a:ext uri="{FF2B5EF4-FFF2-40B4-BE49-F238E27FC236}">
+                <a16:creationId xmlns:a16="http://schemas.microsoft.com/office/drawing/2014/main" id="{33D9C445-224F-4CBD-A67F-2D4C557B1AA5}"/>
+              </a:ext>
+            </a:extLst>
+          </p:cNvPr>
+          <p:cNvSpPr>
+            <a:spLocks noGrp="1"/>
+          </p:cNvSpPr>
+          <p:nvPr>
+            <p:ph idx="1"/>
+          </p:nvPr>
+        </p:nvSpPr>
+        <p:spPr>
+          <a:xfrm>
+            <a:off x="1039239" y="184893"/>
+            <a:ext cx="5212404" cy="4351338"/>
+          </a:xfrm>
+        </p:spPr>
+        <p:txBody>
+          <a:bodyPr>
+            <a:normAutofit/>
+          </a:bodyPr>
+          <a:lstStyle/>
+          <a:p>
+            <a:pPr marL="0" indent="0">
+              <a:buNone/>
+            </a:pPr>
+            <a:r>
+              <a:rPr kumimoji="1" lang="ja-JP" altLang="en-US" sz="1400" dirty="0"/>
+              <a:t>木の上下操作について</a:t>
+            </a:r>
+          </a:p>
+          <a:p>
+            <a:pPr marL="0" indent="0">
+              <a:buNone/>
+            </a:pPr>
+            <a:r>
+              <a:rPr kumimoji="1" lang="ja-JP" altLang="en-US" sz="1400" dirty="0"/>
+              <a:t>　ボタンを押していると、力がかかり、上がる。</a:t>
+            </a:r>
+            <a:endParaRPr kumimoji="1" lang="en-US" altLang="ja-JP" sz="1400" dirty="0"/>
+          </a:p>
+          <a:p>
+            <a:pPr marL="0" indent="0">
+              <a:buNone/>
+            </a:pPr>
+            <a:r>
+              <a:rPr kumimoji="1" lang="ja-JP" altLang="en-US" sz="1400" dirty="0"/>
+              <a:t>    ボタンを押していないと、重力で、下がる。</a:t>
+            </a:r>
+          </a:p>
+          <a:p>
+            <a:pPr marL="0" indent="0">
+              <a:buNone/>
+            </a:pPr>
+            <a:r>
+              <a:rPr kumimoji="1" lang="ja-JP" altLang="en-US" sz="1400" dirty="0"/>
+              <a:t>　上限・下限がそれぞれ存在する。</a:t>
+            </a:r>
+          </a:p>
+          <a:p>
+            <a:pPr marL="0" indent="0">
+              <a:buNone/>
+            </a:pPr>
+            <a:r>
+              <a:rPr kumimoji="1" lang="ja-JP" altLang="en-US" sz="1400" dirty="0"/>
+              <a:t>　ボタンを強く押すと早く上に上がるような感触を与える。</a:t>
+            </a:r>
+          </a:p>
+        </p:txBody>
+      </p:sp>
+      <p:grpSp>
+        <p:nvGrpSpPr>
+          <p:cNvPr id="14" name="グループ化 13">
+            <a:extLst>
+              <a:ext uri="{FF2B5EF4-FFF2-40B4-BE49-F238E27FC236}">
+                <a16:creationId xmlns:a16="http://schemas.microsoft.com/office/drawing/2014/main" id="{5AF419F7-12B7-4B27-9060-2002801124FA}"/>
+              </a:ext>
+            </a:extLst>
+          </p:cNvPr>
+          <p:cNvGrpSpPr/>
+          <p:nvPr/>
+        </p:nvGrpSpPr>
+        <p:grpSpPr>
+          <a:xfrm>
+            <a:off x="1305409" y="3668383"/>
+            <a:ext cx="1699904" cy="1977974"/>
+            <a:chOff x="3475611" y="2804799"/>
+            <a:chExt cx="1699904" cy="1977974"/>
+          </a:xfrm>
+        </p:grpSpPr>
+        <p:sp>
+          <p:nvSpPr>
+            <p:cNvPr id="8" name="台形 7">
+              <a:extLst>
+                <a:ext uri="{FF2B5EF4-FFF2-40B4-BE49-F238E27FC236}">
+                  <a16:creationId xmlns:a16="http://schemas.microsoft.com/office/drawing/2014/main" id="{61A2732F-1F49-49A9-9FF8-E3B0D02DE9AB}"/>
+                </a:ext>
+              </a:extLst>
+            </p:cNvPr>
+            <p:cNvSpPr/>
+            <p:nvPr/>
+          </p:nvSpPr>
+          <p:spPr>
+            <a:xfrm rot="10800000">
+              <a:off x="3475611" y="2804799"/>
+              <a:ext cx="1699904" cy="1977974"/>
+            </a:xfrm>
+            <a:prstGeom prst="trapezoid">
+              <a:avLst>
+                <a:gd name="adj" fmla="val 10950"/>
+              </a:avLst>
+            </a:prstGeom>
+            <a:solidFill>
+              <a:schemeClr val="accent4">
+                <a:lumMod val="75000"/>
+              </a:schemeClr>
+            </a:solidFill>
+            <a:ln>
+              <a:noFill/>
+            </a:ln>
+          </p:spPr>
+          <p:style>
+            <a:lnRef idx="2">
+              <a:schemeClr val="accent1">
+                <a:shade val="50000"/>
+              </a:schemeClr>
+            </a:lnRef>
+            <a:fillRef idx="1">
+              <a:schemeClr val="accent1"/>
+            </a:fillRef>
+            <a:effectRef idx="0">
+              <a:schemeClr val="accent1"/>
+            </a:effectRef>
+            <a:fontRef idx="minor">
+              <a:schemeClr val="lt1"/>
+            </a:fontRef>
+          </p:style>
+          <p:txBody>
+            <a:bodyPr rtlCol="0" anchor="ctr"/>
+            <a:lstStyle/>
+            <a:p>
+              <a:pPr algn="ctr"/>
+              <a:endParaRPr kumimoji="1" lang="ja-JP" altLang="en-US">
+                <a:highlight>
+                  <a:srgbClr val="800000"/>
+                </a:highlight>
+              </a:endParaRPr>
+            </a:p>
+          </p:txBody>
+        </p:sp>
+        <p:sp>
+          <p:nvSpPr>
+            <p:cNvPr id="12" name="正方形/長方形 11">
+              <a:extLst>
+                <a:ext uri="{FF2B5EF4-FFF2-40B4-BE49-F238E27FC236}">
+                  <a16:creationId xmlns:a16="http://schemas.microsoft.com/office/drawing/2014/main" id="{13012997-8D4C-43C9-B7DB-BFF60233993E}"/>
+                </a:ext>
+              </a:extLst>
+            </p:cNvPr>
+            <p:cNvSpPr/>
+            <p:nvPr/>
+          </p:nvSpPr>
+          <p:spPr>
+            <a:xfrm>
+              <a:off x="4172024" y="2811072"/>
+              <a:ext cx="413623" cy="285401"/>
+            </a:xfrm>
+            <a:prstGeom prst="rect">
+              <a:avLst/>
+            </a:prstGeom>
+            <a:solidFill>
+              <a:schemeClr val="bg1"/>
+            </a:solidFill>
+            <a:ln>
+              <a:noFill/>
+            </a:ln>
+          </p:spPr>
+          <p:style>
+            <a:lnRef idx="2">
+              <a:schemeClr val="accent1">
+                <a:shade val="50000"/>
+              </a:schemeClr>
+            </a:lnRef>
+            <a:fillRef idx="1">
+              <a:schemeClr val="accent1"/>
+            </a:fillRef>
+            <a:effectRef idx="0">
+              <a:schemeClr val="accent1"/>
+            </a:effectRef>
+            <a:fontRef idx="minor">
+              <a:schemeClr val="lt1"/>
+            </a:fontRef>
+          </p:style>
+          <p:txBody>
+            <a:bodyPr rtlCol="0" anchor="ctr"/>
+            <a:lstStyle/>
+            <a:p>
+              <a:pPr algn="ctr"/>
+              <a:endParaRPr kumimoji="1" lang="ja-JP" altLang="en-US"/>
+            </a:p>
+          </p:txBody>
+        </p:sp>
+        <p:sp>
+          <p:nvSpPr>
+            <p:cNvPr id="13" name="正方形/長方形 12">
+              <a:extLst>
+                <a:ext uri="{FF2B5EF4-FFF2-40B4-BE49-F238E27FC236}">
+                  <a16:creationId xmlns:a16="http://schemas.microsoft.com/office/drawing/2014/main" id="{41302B01-7040-4860-93F5-C1C45EEFBF02}"/>
+                </a:ext>
+              </a:extLst>
+            </p:cNvPr>
+            <p:cNvSpPr/>
+            <p:nvPr/>
+          </p:nvSpPr>
+          <p:spPr>
+            <a:xfrm>
+              <a:off x="3858683" y="2990894"/>
+              <a:ext cx="999920" cy="821411"/>
+            </a:xfrm>
+            <a:prstGeom prst="rect">
+              <a:avLst/>
+            </a:prstGeom>
+            <a:solidFill>
+              <a:schemeClr val="bg1"/>
+            </a:solidFill>
+            <a:ln>
+              <a:noFill/>
+            </a:ln>
+          </p:spPr>
+          <p:style>
+            <a:lnRef idx="2">
+              <a:schemeClr val="accent1">
+                <a:shade val="50000"/>
+              </a:schemeClr>
+            </a:lnRef>
+            <a:fillRef idx="1">
+              <a:schemeClr val="accent1"/>
+            </a:fillRef>
+            <a:effectRef idx="0">
+              <a:schemeClr val="accent1"/>
+            </a:effectRef>
+            <a:fontRef idx="minor">
+              <a:schemeClr val="lt1"/>
+            </a:fontRef>
+          </p:style>
+          <p:txBody>
+            <a:bodyPr rtlCol="0" anchor="ctr"/>
+            <a:lstStyle/>
+            <a:p>
+              <a:pPr algn="ctr"/>
+              <a:endParaRPr kumimoji="1" lang="ja-JP" altLang="en-US"/>
+            </a:p>
+          </p:txBody>
+        </p:sp>
+      </p:grpSp>
+      <p:grpSp>
+        <p:nvGrpSpPr>
+          <p:cNvPr id="16" name="グループ化 15">
+            <a:extLst>
+              <a:ext uri="{FF2B5EF4-FFF2-40B4-BE49-F238E27FC236}">
+                <a16:creationId xmlns:a16="http://schemas.microsoft.com/office/drawing/2014/main" id="{5F4776A2-81D6-43C0-B8EF-6E1DEE4D005E}"/>
+              </a:ext>
+            </a:extLst>
+          </p:cNvPr>
+          <p:cNvGrpSpPr/>
+          <p:nvPr/>
+        </p:nvGrpSpPr>
+        <p:grpSpPr>
+          <a:xfrm>
+            <a:off x="1099752" y="2881164"/>
+            <a:ext cx="2217761" cy="1574437"/>
+            <a:chOff x="3264089" y="2063599"/>
+            <a:chExt cx="2217761" cy="1574437"/>
+          </a:xfrm>
+        </p:grpSpPr>
+        <p:sp>
+          <p:nvSpPr>
+            <p:cNvPr id="5" name="正方形/長方形 4">
+              <a:extLst>
+                <a:ext uri="{FF2B5EF4-FFF2-40B4-BE49-F238E27FC236}">
+                  <a16:creationId xmlns:a16="http://schemas.microsoft.com/office/drawing/2014/main" id="{294A278F-2D4D-499B-9BE2-2CCBCED5E0F5}"/>
+                </a:ext>
+              </a:extLst>
+            </p:cNvPr>
+            <p:cNvSpPr/>
+            <p:nvPr/>
+          </p:nvSpPr>
+          <p:spPr>
+            <a:xfrm>
+              <a:off x="4239995" y="2182073"/>
+              <a:ext cx="264488" cy="1440268"/>
+            </a:xfrm>
+            <a:prstGeom prst="rect">
+              <a:avLst/>
+            </a:prstGeom>
+            <a:solidFill>
+              <a:schemeClr val="accent6"/>
+            </a:solidFill>
+            <a:ln>
+              <a:noFill/>
+            </a:ln>
+          </p:spPr>
+          <p:style>
+            <a:lnRef idx="2">
+              <a:schemeClr val="accent1">
+                <a:shade val="50000"/>
+              </a:schemeClr>
+            </a:lnRef>
+            <a:fillRef idx="1">
+              <a:schemeClr val="accent1"/>
+            </a:fillRef>
+            <a:effectRef idx="0">
+              <a:schemeClr val="accent1"/>
+            </a:effectRef>
+            <a:fontRef idx="minor">
+              <a:schemeClr val="lt1"/>
+            </a:fontRef>
+          </p:style>
+          <p:txBody>
+            <a:bodyPr rtlCol="0" anchor="ctr"/>
+            <a:lstStyle/>
+            <a:p>
+              <a:pPr algn="ctr"/>
+              <a:endParaRPr kumimoji="1" lang="ja-JP" altLang="en-US"/>
+            </a:p>
+          </p:txBody>
+        </p:sp>
+        <p:sp>
+          <p:nvSpPr>
+            <p:cNvPr id="6" name="正方形/長方形 5">
+              <a:extLst>
+                <a:ext uri="{FF2B5EF4-FFF2-40B4-BE49-F238E27FC236}">
+                  <a16:creationId xmlns:a16="http://schemas.microsoft.com/office/drawing/2014/main" id="{F44FE0D0-1398-4B2E-B6F8-BC1B629EB4E1}"/>
+                </a:ext>
+              </a:extLst>
+            </p:cNvPr>
+            <p:cNvSpPr/>
+            <p:nvPr/>
+          </p:nvSpPr>
+          <p:spPr>
+            <a:xfrm rot="5400000">
+              <a:off x="4275549" y="2382564"/>
+              <a:ext cx="193379" cy="827315"/>
+            </a:xfrm>
+            <a:prstGeom prst="rect">
+              <a:avLst/>
+            </a:prstGeom>
+            <a:solidFill>
+              <a:schemeClr val="accent6"/>
+            </a:solidFill>
+            <a:ln>
+              <a:noFill/>
+            </a:ln>
+          </p:spPr>
+          <p:style>
+            <a:lnRef idx="2">
+              <a:schemeClr val="accent1">
+                <a:shade val="50000"/>
+              </a:schemeClr>
+            </a:lnRef>
+            <a:fillRef idx="1">
+              <a:schemeClr val="accent1"/>
+            </a:fillRef>
+            <a:effectRef idx="0">
+              <a:schemeClr val="accent1"/>
+            </a:effectRef>
+            <a:fontRef idx="minor">
+              <a:schemeClr val="lt1"/>
+            </a:fontRef>
+          </p:style>
+          <p:txBody>
+            <a:bodyPr rtlCol="0" anchor="ctr"/>
+            <a:lstStyle/>
+            <a:p>
+              <a:pPr algn="ctr"/>
+              <a:endParaRPr kumimoji="1" lang="ja-JP" altLang="en-US"/>
+            </a:p>
+          </p:txBody>
+        </p:sp>
+        <p:sp>
+          <p:nvSpPr>
+            <p:cNvPr id="7" name="正方形/長方形 6">
+              <a:extLst>
+                <a:ext uri="{FF2B5EF4-FFF2-40B4-BE49-F238E27FC236}">
+                  <a16:creationId xmlns:a16="http://schemas.microsoft.com/office/drawing/2014/main" id="{74468604-EB22-4CCF-91B7-D9EC473BB8D5}"/>
+                </a:ext>
+              </a:extLst>
+            </p:cNvPr>
+            <p:cNvSpPr/>
+            <p:nvPr/>
+          </p:nvSpPr>
+          <p:spPr>
+            <a:xfrm rot="5400000">
+              <a:off x="4285671" y="3137811"/>
+              <a:ext cx="181584" cy="818866"/>
+            </a:xfrm>
+            <a:prstGeom prst="rect">
+              <a:avLst/>
+            </a:prstGeom>
+            <a:solidFill>
+              <a:schemeClr val="accent6"/>
+            </a:solidFill>
+            <a:ln>
+              <a:noFill/>
+            </a:ln>
+          </p:spPr>
+          <p:style>
+            <a:lnRef idx="2">
+              <a:schemeClr val="accent1">
+                <a:shade val="50000"/>
+              </a:schemeClr>
+            </a:lnRef>
+            <a:fillRef idx="1">
+              <a:schemeClr val="accent1"/>
+            </a:fillRef>
+            <a:effectRef idx="0">
+              <a:schemeClr val="accent1"/>
+            </a:effectRef>
+            <a:fontRef idx="minor">
+              <a:schemeClr val="lt1"/>
+            </a:fontRef>
+          </p:style>
+          <p:txBody>
+            <a:bodyPr rtlCol="0" anchor="ctr"/>
+            <a:lstStyle/>
+            <a:p>
+              <a:pPr algn="ctr"/>
+              <a:endParaRPr kumimoji="1" lang="ja-JP" altLang="en-US"/>
+            </a:p>
+          </p:txBody>
+        </p:sp>
+        <p:sp>
+          <p:nvSpPr>
+            <p:cNvPr id="4" name="アーチ 3">
+              <a:extLst>
+                <a:ext uri="{FF2B5EF4-FFF2-40B4-BE49-F238E27FC236}">
+                  <a16:creationId xmlns:a16="http://schemas.microsoft.com/office/drawing/2014/main" id="{6C8DCA12-320F-41EB-A4FB-CB5B1BEBBFB5}"/>
+                </a:ext>
+              </a:extLst>
+            </p:cNvPr>
+            <p:cNvSpPr/>
+            <p:nvPr/>
+          </p:nvSpPr>
+          <p:spPr>
+            <a:xfrm>
+              <a:off x="3264089" y="2063599"/>
+              <a:ext cx="2217761" cy="914400"/>
+            </a:xfrm>
+            <a:prstGeom prst="blockArc">
+              <a:avLst/>
+            </a:prstGeom>
+            <a:solidFill>
+              <a:schemeClr val="accent6"/>
+            </a:solidFill>
+            <a:ln>
+              <a:noFill/>
+            </a:ln>
+          </p:spPr>
+          <p:style>
+            <a:lnRef idx="2">
+              <a:schemeClr val="accent1">
+                <a:shade val="50000"/>
+              </a:schemeClr>
+            </a:lnRef>
+            <a:fillRef idx="1">
+              <a:schemeClr val="accent1"/>
+            </a:fillRef>
+            <a:effectRef idx="0">
+              <a:schemeClr val="accent1"/>
+            </a:effectRef>
+            <a:fontRef idx="minor">
+              <a:schemeClr val="lt1"/>
+            </a:fontRef>
+          </p:style>
+          <p:txBody>
+            <a:bodyPr rtlCol="0" anchor="ctr"/>
+            <a:lstStyle/>
+            <a:p>
+              <a:pPr algn="ctr"/>
+              <a:endParaRPr kumimoji="1" lang="ja-JP" altLang="en-US">
+                <a:solidFill>
+                  <a:schemeClr val="tx1"/>
+                </a:solidFill>
+              </a:endParaRPr>
+            </a:p>
+          </p:txBody>
+        </p:sp>
+      </p:grpSp>
+      <p:grpSp>
+        <p:nvGrpSpPr>
+          <p:cNvPr id="17" name="グループ化 16">
+            <a:extLst>
+              <a:ext uri="{FF2B5EF4-FFF2-40B4-BE49-F238E27FC236}">
+                <a16:creationId xmlns:a16="http://schemas.microsoft.com/office/drawing/2014/main" id="{436F02B7-0F00-4C09-91CC-19B2436E42E5}"/>
+              </a:ext>
+            </a:extLst>
+          </p:cNvPr>
+          <p:cNvGrpSpPr/>
+          <p:nvPr/>
+        </p:nvGrpSpPr>
+        <p:grpSpPr>
+          <a:xfrm>
+            <a:off x="4171300" y="3668383"/>
+            <a:ext cx="1699904" cy="1977974"/>
+            <a:chOff x="3475611" y="2804799"/>
+            <a:chExt cx="1699904" cy="1977974"/>
+          </a:xfrm>
+        </p:grpSpPr>
+        <p:sp>
+          <p:nvSpPr>
+            <p:cNvPr id="18" name="台形 17">
+              <a:extLst>
+                <a:ext uri="{FF2B5EF4-FFF2-40B4-BE49-F238E27FC236}">
+                  <a16:creationId xmlns:a16="http://schemas.microsoft.com/office/drawing/2014/main" id="{9C7C8EFC-0EB6-46DB-8920-3E79898FD44A}"/>
+                </a:ext>
+              </a:extLst>
+            </p:cNvPr>
+            <p:cNvSpPr/>
+            <p:nvPr/>
+          </p:nvSpPr>
+          <p:spPr>
+            <a:xfrm rot="10800000">
+              <a:off x="3475611" y="2804799"/>
+              <a:ext cx="1699904" cy="1977974"/>
+            </a:xfrm>
+            <a:prstGeom prst="trapezoid">
+              <a:avLst>
+                <a:gd name="adj" fmla="val 10950"/>
+              </a:avLst>
+            </a:prstGeom>
+            <a:solidFill>
+              <a:schemeClr val="accent4">
+                <a:lumMod val="75000"/>
+              </a:schemeClr>
+            </a:solidFill>
+            <a:ln>
+              <a:noFill/>
+            </a:ln>
+          </p:spPr>
+          <p:style>
+            <a:lnRef idx="2">
+              <a:schemeClr val="accent1">
+                <a:shade val="50000"/>
+              </a:schemeClr>
+            </a:lnRef>
+            <a:fillRef idx="1">
+              <a:schemeClr val="accent1"/>
+            </a:fillRef>
+            <a:effectRef idx="0">
+              <a:schemeClr val="accent1"/>
+            </a:effectRef>
+            <a:fontRef idx="minor">
+              <a:schemeClr val="lt1"/>
+            </a:fontRef>
+          </p:style>
+          <p:txBody>
+            <a:bodyPr rtlCol="0" anchor="ctr"/>
+            <a:lstStyle/>
+            <a:p>
+              <a:pPr algn="ctr"/>
+              <a:endParaRPr kumimoji="1" lang="ja-JP" altLang="en-US">
+                <a:highlight>
+                  <a:srgbClr val="800000"/>
+                </a:highlight>
+              </a:endParaRPr>
+            </a:p>
+          </p:txBody>
+        </p:sp>
+        <p:sp>
+          <p:nvSpPr>
+            <p:cNvPr id="19" name="正方形/長方形 18">
+              <a:extLst>
+                <a:ext uri="{FF2B5EF4-FFF2-40B4-BE49-F238E27FC236}">
+                  <a16:creationId xmlns:a16="http://schemas.microsoft.com/office/drawing/2014/main" id="{6D811561-8235-4B1C-9EC9-56022D8FDD66}"/>
+                </a:ext>
+              </a:extLst>
+            </p:cNvPr>
+            <p:cNvSpPr/>
+            <p:nvPr/>
+          </p:nvSpPr>
+          <p:spPr>
+            <a:xfrm>
+              <a:off x="4172024" y="2811072"/>
+              <a:ext cx="413623" cy="285401"/>
+            </a:xfrm>
+            <a:prstGeom prst="rect">
+              <a:avLst/>
+            </a:prstGeom>
+            <a:solidFill>
+              <a:schemeClr val="bg1"/>
+            </a:solidFill>
+            <a:ln>
+              <a:noFill/>
+            </a:ln>
+          </p:spPr>
+          <p:style>
+            <a:lnRef idx="2">
+              <a:schemeClr val="accent1">
+                <a:shade val="50000"/>
+              </a:schemeClr>
+            </a:lnRef>
+            <a:fillRef idx="1">
+              <a:schemeClr val="accent1"/>
+            </a:fillRef>
+            <a:effectRef idx="0">
+              <a:schemeClr val="accent1"/>
+            </a:effectRef>
+            <a:fontRef idx="minor">
+              <a:schemeClr val="lt1"/>
+            </a:fontRef>
+          </p:style>
+          <p:txBody>
+            <a:bodyPr rtlCol="0" anchor="ctr"/>
+            <a:lstStyle/>
+            <a:p>
+              <a:pPr algn="ctr"/>
+              <a:endParaRPr kumimoji="1" lang="ja-JP" altLang="en-US"/>
+            </a:p>
+          </p:txBody>
+        </p:sp>
+        <p:sp>
+          <p:nvSpPr>
+            <p:cNvPr id="20" name="正方形/長方形 19">
+              <a:extLst>
+                <a:ext uri="{FF2B5EF4-FFF2-40B4-BE49-F238E27FC236}">
+                  <a16:creationId xmlns:a16="http://schemas.microsoft.com/office/drawing/2014/main" id="{E0F7ABE6-ED34-4E7C-8AD0-8D73C95535FE}"/>
+                </a:ext>
+              </a:extLst>
+            </p:cNvPr>
+            <p:cNvSpPr/>
+            <p:nvPr/>
+          </p:nvSpPr>
+          <p:spPr>
+            <a:xfrm>
+              <a:off x="3858683" y="2990894"/>
+              <a:ext cx="999920" cy="821411"/>
+            </a:xfrm>
+            <a:prstGeom prst="rect">
+              <a:avLst/>
+            </a:prstGeom>
+            <a:solidFill>
+              <a:schemeClr val="bg1"/>
+            </a:solidFill>
+            <a:ln>
+              <a:noFill/>
+            </a:ln>
+          </p:spPr>
+          <p:style>
+            <a:lnRef idx="2">
+              <a:schemeClr val="accent1">
+                <a:shade val="50000"/>
+              </a:schemeClr>
+            </a:lnRef>
+            <a:fillRef idx="1">
+              <a:schemeClr val="accent1"/>
+            </a:fillRef>
+            <a:effectRef idx="0">
+              <a:schemeClr val="accent1"/>
+            </a:effectRef>
+            <a:fontRef idx="minor">
+              <a:schemeClr val="lt1"/>
+            </a:fontRef>
+          </p:style>
+          <p:txBody>
+            <a:bodyPr rtlCol="0" anchor="ctr"/>
+            <a:lstStyle/>
+            <a:p>
+              <a:pPr algn="ctr"/>
+              <a:endParaRPr kumimoji="1" lang="ja-JP" altLang="en-US"/>
+            </a:p>
+          </p:txBody>
+        </p:sp>
+      </p:grpSp>
+      <p:grpSp>
+        <p:nvGrpSpPr>
+          <p:cNvPr id="21" name="グループ化 20">
+            <a:extLst>
+              <a:ext uri="{FF2B5EF4-FFF2-40B4-BE49-F238E27FC236}">
+                <a16:creationId xmlns:a16="http://schemas.microsoft.com/office/drawing/2014/main" id="{59BCBFC0-571F-4E0C-AF03-708C624E2302}"/>
+              </a:ext>
+            </a:extLst>
+          </p:cNvPr>
+          <p:cNvGrpSpPr/>
+          <p:nvPr/>
+        </p:nvGrpSpPr>
+        <p:grpSpPr>
+          <a:xfrm>
+            <a:off x="3976149" y="2458083"/>
+            <a:ext cx="2217761" cy="1574437"/>
+            <a:chOff x="3264089" y="2063599"/>
+            <a:chExt cx="2217761" cy="1574437"/>
+          </a:xfrm>
+        </p:grpSpPr>
+        <p:sp>
+          <p:nvSpPr>
+            <p:cNvPr id="22" name="正方形/長方形 21">
+              <a:extLst>
+                <a:ext uri="{FF2B5EF4-FFF2-40B4-BE49-F238E27FC236}">
+                  <a16:creationId xmlns:a16="http://schemas.microsoft.com/office/drawing/2014/main" id="{B5F1EC63-BB7C-4861-B1F6-FB42339E07D0}"/>
+                </a:ext>
+              </a:extLst>
+            </p:cNvPr>
+            <p:cNvSpPr/>
+            <p:nvPr/>
+          </p:nvSpPr>
+          <p:spPr>
+            <a:xfrm>
+              <a:off x="4239995" y="2182073"/>
+              <a:ext cx="264488" cy="1440268"/>
+            </a:xfrm>
+            <a:prstGeom prst="rect">
+              <a:avLst/>
+            </a:prstGeom>
+            <a:solidFill>
+              <a:schemeClr val="accent6"/>
+            </a:solidFill>
+            <a:ln>
+              <a:noFill/>
+            </a:ln>
+          </p:spPr>
+          <p:style>
+            <a:lnRef idx="2">
+              <a:schemeClr val="accent1">
+                <a:shade val="50000"/>
+              </a:schemeClr>
+            </a:lnRef>
+            <a:fillRef idx="1">
+              <a:schemeClr val="accent1"/>
+            </a:fillRef>
+            <a:effectRef idx="0">
+              <a:schemeClr val="accent1"/>
+            </a:effectRef>
+            <a:fontRef idx="minor">
+              <a:schemeClr val="lt1"/>
+            </a:fontRef>
+          </p:style>
+          <p:txBody>
+            <a:bodyPr rtlCol="0" anchor="ctr"/>
+            <a:lstStyle/>
+            <a:p>
+              <a:pPr algn="ctr"/>
+              <a:endParaRPr kumimoji="1" lang="ja-JP" altLang="en-US"/>
+            </a:p>
+          </p:txBody>
+        </p:sp>
+        <p:sp>
+          <p:nvSpPr>
+            <p:cNvPr id="23" name="正方形/長方形 22">
+              <a:extLst>
+                <a:ext uri="{FF2B5EF4-FFF2-40B4-BE49-F238E27FC236}">
+                  <a16:creationId xmlns:a16="http://schemas.microsoft.com/office/drawing/2014/main" id="{59D72667-0F97-44F3-A7D9-E7BF70A6CC24}"/>
+                </a:ext>
+              </a:extLst>
+            </p:cNvPr>
+            <p:cNvSpPr/>
+            <p:nvPr/>
+          </p:nvSpPr>
+          <p:spPr>
+            <a:xfrm rot="5400000">
+              <a:off x="4275549" y="2382564"/>
+              <a:ext cx="193379" cy="827315"/>
+            </a:xfrm>
+            <a:prstGeom prst="rect">
+              <a:avLst/>
+            </a:prstGeom>
+            <a:solidFill>
+              <a:schemeClr val="accent6"/>
+            </a:solidFill>
+            <a:ln>
+              <a:noFill/>
+            </a:ln>
+          </p:spPr>
+          <p:style>
+            <a:lnRef idx="2">
+              <a:schemeClr val="accent1">
+                <a:shade val="50000"/>
+              </a:schemeClr>
+            </a:lnRef>
+            <a:fillRef idx="1">
+              <a:schemeClr val="accent1"/>
+            </a:fillRef>
+            <a:effectRef idx="0">
+              <a:schemeClr val="accent1"/>
+            </a:effectRef>
+            <a:fontRef idx="minor">
+              <a:schemeClr val="lt1"/>
+            </a:fontRef>
+          </p:style>
+          <p:txBody>
+            <a:bodyPr rtlCol="0" anchor="ctr"/>
+            <a:lstStyle/>
+            <a:p>
+              <a:pPr algn="ctr"/>
+              <a:endParaRPr kumimoji="1" lang="ja-JP" altLang="en-US"/>
+            </a:p>
+          </p:txBody>
+        </p:sp>
+        <p:sp>
+          <p:nvSpPr>
+            <p:cNvPr id="24" name="正方形/長方形 23">
+              <a:extLst>
+                <a:ext uri="{FF2B5EF4-FFF2-40B4-BE49-F238E27FC236}">
+                  <a16:creationId xmlns:a16="http://schemas.microsoft.com/office/drawing/2014/main" id="{6B22D940-B989-4FE5-BEF9-91EFA5A4E497}"/>
+                </a:ext>
+              </a:extLst>
+            </p:cNvPr>
+            <p:cNvSpPr/>
+            <p:nvPr/>
+          </p:nvSpPr>
+          <p:spPr>
+            <a:xfrm rot="5400000">
+              <a:off x="4285671" y="3137811"/>
+              <a:ext cx="181584" cy="818866"/>
+            </a:xfrm>
+            <a:prstGeom prst="rect">
+              <a:avLst/>
+            </a:prstGeom>
+            <a:solidFill>
+              <a:schemeClr val="accent6"/>
+            </a:solidFill>
+            <a:ln>
+              <a:noFill/>
+            </a:ln>
+          </p:spPr>
+          <p:style>
+            <a:lnRef idx="2">
+              <a:schemeClr val="accent1">
+                <a:shade val="50000"/>
+              </a:schemeClr>
+            </a:lnRef>
+            <a:fillRef idx="1">
+              <a:schemeClr val="accent1"/>
+            </a:fillRef>
+            <a:effectRef idx="0">
+              <a:schemeClr val="accent1"/>
+            </a:effectRef>
+            <a:fontRef idx="minor">
+              <a:schemeClr val="lt1"/>
+            </a:fontRef>
+          </p:style>
+          <p:txBody>
+            <a:bodyPr rtlCol="0" anchor="ctr"/>
+            <a:lstStyle/>
+            <a:p>
+              <a:pPr algn="ctr"/>
+              <a:endParaRPr kumimoji="1" lang="ja-JP" altLang="en-US"/>
+            </a:p>
+          </p:txBody>
+        </p:sp>
+        <p:sp>
+          <p:nvSpPr>
+            <p:cNvPr id="25" name="アーチ 24">
+              <a:extLst>
+                <a:ext uri="{FF2B5EF4-FFF2-40B4-BE49-F238E27FC236}">
+                  <a16:creationId xmlns:a16="http://schemas.microsoft.com/office/drawing/2014/main" id="{DC1EE1B3-A1C1-4F77-BE3E-66D2FA24316F}"/>
+                </a:ext>
+              </a:extLst>
+            </p:cNvPr>
+            <p:cNvSpPr/>
+            <p:nvPr/>
+          </p:nvSpPr>
+          <p:spPr>
+            <a:xfrm>
+              <a:off x="3264089" y="2063599"/>
+              <a:ext cx="2217761" cy="914400"/>
+            </a:xfrm>
+            <a:prstGeom prst="blockArc">
+              <a:avLst/>
+            </a:prstGeom>
+            <a:solidFill>
+              <a:schemeClr val="accent6"/>
+            </a:solidFill>
+            <a:ln>
+              <a:noFill/>
+            </a:ln>
+          </p:spPr>
+          <p:style>
+            <a:lnRef idx="2">
+              <a:schemeClr val="accent1">
+                <a:shade val="50000"/>
+              </a:schemeClr>
+            </a:lnRef>
+            <a:fillRef idx="1">
+              <a:schemeClr val="accent1"/>
+            </a:fillRef>
+            <a:effectRef idx="0">
+              <a:schemeClr val="accent1"/>
+            </a:effectRef>
+            <a:fontRef idx="minor">
+              <a:schemeClr val="lt1"/>
+            </a:fontRef>
+          </p:style>
+          <p:txBody>
+            <a:bodyPr rtlCol="0" anchor="ctr"/>
+            <a:lstStyle/>
+            <a:p>
+              <a:pPr algn="ctr"/>
+              <a:endParaRPr kumimoji="1" lang="ja-JP" altLang="en-US">
+                <a:solidFill>
+                  <a:schemeClr val="tx1"/>
+                </a:solidFill>
+              </a:endParaRPr>
+            </a:p>
+          </p:txBody>
+        </p:sp>
+      </p:grpSp>
+      <p:sp>
+        <p:nvSpPr>
+          <p:cNvPr id="26" name="矢印: 上 25">
+            <a:extLst>
+              <a:ext uri="{FF2B5EF4-FFF2-40B4-BE49-F238E27FC236}">
+                <a16:creationId xmlns:a16="http://schemas.microsoft.com/office/drawing/2014/main" id="{0E189043-479D-44D4-A275-80DA94074F1E}"/>
+              </a:ext>
+            </a:extLst>
+          </p:cNvPr>
+          <p:cNvSpPr/>
+          <p:nvPr/>
+        </p:nvSpPr>
+        <p:spPr>
+          <a:xfrm>
+            <a:off x="4841982" y="4036853"/>
+            <a:ext cx="484632" cy="344078"/>
+          </a:xfrm>
+          <a:prstGeom prst="upArrow">
+            <a:avLst/>
+          </a:prstGeom>
         </p:spPr>
         <p:style>
           <a:lnRef idx="2">
@@ -5079,10 +6166,10 @@
       </p:sp>
       <p:sp>
         <p:nvSpPr>
-          <p:cNvPr id="65" name="テキスト ボックス 64">
-            <a:extLst>
-              <a:ext uri="{FF2B5EF4-FFF2-40B4-BE49-F238E27FC236}">
-                <a16:creationId xmlns:a16="http://schemas.microsoft.com/office/drawing/2014/main" id="{BCD12E05-BA80-403F-992C-51C1CADA5160}"/>
+          <p:cNvPr id="27" name="テキスト ボックス 26">
+            <a:extLst>
+              <a:ext uri="{FF2B5EF4-FFF2-40B4-BE49-F238E27FC236}">
+                <a16:creationId xmlns:a16="http://schemas.microsoft.com/office/drawing/2014/main" id="{A05EBA48-9F0F-4468-B5F6-58C6E0FEE27B}"/>
               </a:ext>
             </a:extLst>
           </p:cNvPr>
@@ -5091,22 +6178,84 @@
         </p:nvSpPr>
         <p:spPr>
           <a:xfrm>
-            <a:off x="4892674" y="232258"/>
+            <a:off x="4876549" y="4328420"/>
+            <a:ext cx="415498" cy="369332"/>
+          </a:xfrm>
+          <a:prstGeom prst="rect">
+            <a:avLst/>
+          </a:prstGeom>
+          <a:noFill/>
+        </p:spPr>
+        <p:txBody>
+          <a:bodyPr wrap="none" rtlCol="0">
+            <a:spAutoFit/>
+          </a:bodyPr>
+          <a:lstStyle/>
+          <a:p>
+            <a:r>
+              <a:rPr kumimoji="1" lang="ja-JP" altLang="en-US" dirty="0"/>
+              <a:t>力</a:t>
+            </a:r>
+          </a:p>
+        </p:txBody>
+      </p:sp>
+      <p:sp>
+        <p:nvSpPr>
+          <p:cNvPr id="28" name="テキスト ボックス 27">
+            <a:extLst>
+              <a:ext uri="{FF2B5EF4-FFF2-40B4-BE49-F238E27FC236}">
+                <a16:creationId xmlns:a16="http://schemas.microsoft.com/office/drawing/2014/main" id="{CFC79B40-9258-4B9E-B9AA-11603A6D6BA5}"/>
+              </a:ext>
+            </a:extLst>
+          </p:cNvPr>
+          <p:cNvSpPr txBox="1"/>
+          <p:nvPr/>
+        </p:nvSpPr>
+        <p:spPr>
+          <a:xfrm>
+            <a:off x="2832471" y="1977517"/>
+            <a:ext cx="1338828" cy="369332"/>
+          </a:xfrm>
+          <a:prstGeom prst="rect">
+            <a:avLst/>
+          </a:prstGeom>
+          <a:noFill/>
+        </p:spPr>
+        <p:txBody>
+          <a:bodyPr wrap="none" rtlCol="0">
+            <a:spAutoFit/>
+          </a:bodyPr>
+          <a:lstStyle/>
+          <a:p>
+            <a:r>
+              <a:rPr lang="ja-JP" altLang="en-US" dirty="0"/>
+              <a:t>木の断面図</a:t>
+            </a:r>
+            <a:endParaRPr kumimoji="1" lang="ja-JP" altLang="en-US" dirty="0"/>
+          </a:p>
+        </p:txBody>
+      </p:sp>
+      <p:sp>
+        <p:nvSpPr>
+          <p:cNvPr id="29" name="テキスト ボックス 28">
+            <a:extLst>
+              <a:ext uri="{FF2B5EF4-FFF2-40B4-BE49-F238E27FC236}">
+                <a16:creationId xmlns:a16="http://schemas.microsoft.com/office/drawing/2014/main" id="{68449438-1AB0-4135-BB8B-C2D38CEC41FC}"/>
+              </a:ext>
+            </a:extLst>
+          </p:cNvPr>
+          <p:cNvSpPr txBox="1"/>
+          <p:nvPr/>
+        </p:nvSpPr>
+        <p:spPr>
+          <a:xfrm>
+            <a:off x="1192238" y="5797643"/>
             <a:ext cx="2031325" cy="369332"/>
           </a:xfrm>
           <a:prstGeom prst="rect">
             <a:avLst/>
           </a:prstGeom>
-          <a:solidFill>
-            <a:schemeClr val="bg1"/>
-          </a:solidFill>
-          <a:ln>
-            <a:solidFill>
-              <a:schemeClr val="accent1">
-                <a:shade val="50000"/>
-              </a:schemeClr>
-            </a:solidFill>
-          </a:ln>
+          <a:noFill/>
         </p:spPr>
         <p:txBody>
           <a:bodyPr wrap="none" rtlCol="0">
@@ -5115,19 +6264,18 @@
           <a:lstStyle/>
           <a:p>
             <a:r>
-              <a:rPr lang="ja-JP" altLang="en-US" dirty="0"/>
-              <a:t>オブジェクト配置</a:t>
-            </a:r>
-            <a:endParaRPr kumimoji="1" lang="ja-JP" altLang="en-US" dirty="0"/>
-          </a:p>
-        </p:txBody>
-      </p:sp>
-      <p:sp>
-        <p:nvSpPr>
-          <p:cNvPr id="86" name="テキスト ボックス 85">
-            <a:extLst>
-              <a:ext uri="{FF2B5EF4-FFF2-40B4-BE49-F238E27FC236}">
-                <a16:creationId xmlns:a16="http://schemas.microsoft.com/office/drawing/2014/main" id="{5948AAF0-44DC-4F0F-9F6B-0692D0084EDC}"/>
+              <a:rPr kumimoji="1" lang="ja-JP" altLang="en-US" dirty="0"/>
+              <a:t>下がっている状態</a:t>
+            </a:r>
+          </a:p>
+        </p:txBody>
+      </p:sp>
+      <p:sp>
+        <p:nvSpPr>
+          <p:cNvPr id="30" name="テキスト ボックス 29">
+            <a:extLst>
+              <a:ext uri="{FF2B5EF4-FFF2-40B4-BE49-F238E27FC236}">
+                <a16:creationId xmlns:a16="http://schemas.microsoft.com/office/drawing/2014/main" id="{F17891A9-399F-4AF2-BB2D-322A14407F33}"/>
               </a:ext>
             </a:extLst>
           </p:cNvPr>
@@ -5136,22 +6284,13 @@
         </p:nvSpPr>
         <p:spPr>
           <a:xfrm>
-            <a:off x="4922847" y="4743444"/>
-            <a:ext cx="2262158" cy="369332"/>
+            <a:off x="4162585" y="5751329"/>
+            <a:ext cx="2031325" cy="369332"/>
           </a:xfrm>
           <a:prstGeom prst="rect">
             <a:avLst/>
           </a:prstGeom>
-          <a:solidFill>
-            <a:schemeClr val="bg1"/>
-          </a:solidFill>
-          <a:ln>
-            <a:solidFill>
-              <a:schemeClr val="accent1">
-                <a:shade val="50000"/>
-              </a:schemeClr>
-            </a:solidFill>
-          </a:ln>
+          <a:noFill/>
         </p:spPr>
         <p:txBody>
           <a:bodyPr wrap="none" rtlCol="0">
@@ -5160,17 +6299,16 @@
           <a:lstStyle/>
           <a:p>
             <a:r>
-              <a:rPr lang="ja-JP" altLang="en-US" dirty="0"/>
-              <a:t>オブジェクトサイズ</a:t>
-            </a:r>
-            <a:endParaRPr kumimoji="1" lang="ja-JP" altLang="en-US" dirty="0"/>
+              <a:rPr kumimoji="1" lang="ja-JP" altLang="en-US" dirty="0"/>
+              <a:t>上がっている状態</a:t>
+            </a:r>
           </a:p>
         </p:txBody>
       </p:sp>
     </p:spTree>
     <p:extLst>
       <p:ext uri="{BB962C8B-B14F-4D97-AF65-F5344CB8AC3E}">
-        <p14:creationId xmlns:p14="http://schemas.microsoft.com/office/powerpoint/2010/main" val="476123001"/>
+        <p14:creationId xmlns:p14="http://schemas.microsoft.com/office/powerpoint/2010/main" val="3321265045"/>
       </p:ext>
     </p:extLst>
   </p:cSld>
